--- a/module_1_elastic_compute_and_storage_volumes/assignment_3_ec2_and_efs/modue_2_assignment_3_ec2_and_efs.pptx
+++ b/module_1_elastic_compute_and_storage_volumes/assignment_3_ec2_and_efs/modue_2_assignment_3_ec2_and_efs.pptx
@@ -16,6 +16,7 @@
     <p:sldId id="260" r:id="rId10"/>
     <p:sldId id="261" r:id="rId11"/>
     <p:sldId id="266" r:id="rId12"/>
+    <p:sldId id="267" r:id="rId13"/>
   </p:sldIdLst>
   <p:sldSz cx="12192000" cy="6858000"/>
   <p:notesSz cx="6858000" cy="9144000"/>
@@ -269,7 +270,7 @@
           <a:p>
             <a:fld id="{AED40B9C-CE90-47A2-8D92-B4B660E08020}" type="datetimeFigureOut">
               <a:rPr lang="en-US" smtClean="0"/>
-              <a:t>2021-12-22</a:t>
+              <a:t>2021-12-25</a:t>
             </a:fld>
             <a:endParaRPr lang="en-US"/>
           </a:p>
@@ -467,7 +468,7 @@
           <a:p>
             <a:fld id="{AED40B9C-CE90-47A2-8D92-B4B660E08020}" type="datetimeFigureOut">
               <a:rPr lang="en-US" smtClean="0"/>
-              <a:t>2021-12-22</a:t>
+              <a:t>2021-12-25</a:t>
             </a:fld>
             <a:endParaRPr lang="en-US"/>
           </a:p>
@@ -675,7 +676,7 @@
           <a:p>
             <a:fld id="{AED40B9C-CE90-47A2-8D92-B4B660E08020}" type="datetimeFigureOut">
               <a:rPr lang="en-US" smtClean="0"/>
-              <a:t>2021-12-22</a:t>
+              <a:t>2021-12-25</a:t>
             </a:fld>
             <a:endParaRPr lang="en-US"/>
           </a:p>
@@ -873,7 +874,7 @@
           <a:p>
             <a:fld id="{AED40B9C-CE90-47A2-8D92-B4B660E08020}" type="datetimeFigureOut">
               <a:rPr lang="en-US" smtClean="0"/>
-              <a:t>2021-12-22</a:t>
+              <a:t>2021-12-25</a:t>
             </a:fld>
             <a:endParaRPr lang="en-US"/>
           </a:p>
@@ -1148,7 +1149,7 @@
           <a:p>
             <a:fld id="{AED40B9C-CE90-47A2-8D92-B4B660E08020}" type="datetimeFigureOut">
               <a:rPr lang="en-US" smtClean="0"/>
-              <a:t>2021-12-22</a:t>
+              <a:t>2021-12-25</a:t>
             </a:fld>
             <a:endParaRPr lang="en-US"/>
           </a:p>
@@ -1413,7 +1414,7 @@
           <a:p>
             <a:fld id="{AED40B9C-CE90-47A2-8D92-B4B660E08020}" type="datetimeFigureOut">
               <a:rPr lang="en-US" smtClean="0"/>
-              <a:t>2021-12-22</a:t>
+              <a:t>2021-12-25</a:t>
             </a:fld>
             <a:endParaRPr lang="en-US"/>
           </a:p>
@@ -1825,7 +1826,7 @@
           <a:p>
             <a:fld id="{AED40B9C-CE90-47A2-8D92-B4B660E08020}" type="datetimeFigureOut">
               <a:rPr lang="en-US" smtClean="0"/>
-              <a:t>2021-12-22</a:t>
+              <a:t>2021-12-25</a:t>
             </a:fld>
             <a:endParaRPr lang="en-US"/>
           </a:p>
@@ -1966,7 +1967,7 @@
           <a:p>
             <a:fld id="{AED40B9C-CE90-47A2-8D92-B4B660E08020}" type="datetimeFigureOut">
               <a:rPr lang="en-US" smtClean="0"/>
-              <a:t>2021-12-22</a:t>
+              <a:t>2021-12-25</a:t>
             </a:fld>
             <a:endParaRPr lang="en-US"/>
           </a:p>
@@ -2079,7 +2080,7 @@
           <a:p>
             <a:fld id="{AED40B9C-CE90-47A2-8D92-B4B660E08020}" type="datetimeFigureOut">
               <a:rPr lang="en-US" smtClean="0"/>
-              <a:t>2021-12-22</a:t>
+              <a:t>2021-12-25</a:t>
             </a:fld>
             <a:endParaRPr lang="en-US"/>
           </a:p>
@@ -2390,7 +2391,7 @@
           <a:p>
             <a:fld id="{AED40B9C-CE90-47A2-8D92-B4B660E08020}" type="datetimeFigureOut">
               <a:rPr lang="en-US" smtClean="0"/>
-              <a:t>2021-12-22</a:t>
+              <a:t>2021-12-25</a:t>
             </a:fld>
             <a:endParaRPr lang="en-US"/>
           </a:p>
@@ -2678,7 +2679,7 @@
           <a:p>
             <a:fld id="{AED40B9C-CE90-47A2-8D92-B4B660E08020}" type="datetimeFigureOut">
               <a:rPr lang="en-US" smtClean="0"/>
-              <a:t>2021-12-22</a:t>
+              <a:t>2021-12-25</a:t>
             </a:fld>
             <a:endParaRPr lang="en-US"/>
           </a:p>
@@ -2919,7 +2920,7 @@
           <a:p>
             <a:fld id="{AED40B9C-CE90-47A2-8D92-B4B660E08020}" type="datetimeFigureOut">
               <a:rPr lang="en-US" smtClean="0"/>
-              <a:t>2021-12-22</a:t>
+              <a:t>2021-12-25</a:t>
             </a:fld>
             <a:endParaRPr lang="en-US"/>
           </a:p>
@@ -3908,7 +3909,7 @@
                   <a:schemeClr val="bg1"/>
                 </a:solidFill>
               </a:rPr>
-              <a:t>30. In the EFS page, select the EFS and select “View Details”. Then select “Attach”</a:t>
+              <a:t>31. In the EFS page, select the EFS and select “View Details”. Then select “Attach”</a:t>
             </a:r>
           </a:p>
         </p:txBody>
@@ -4002,7 +4003,7 @@
                   <a:schemeClr val="bg1"/>
                 </a:solidFill>
               </a:rPr>
-              <a:t>31. Copy the mount command</a:t>
+              <a:t>32. Copy the mount command</a:t>
             </a:r>
           </a:p>
         </p:txBody>
@@ -4066,7 +4067,7 @@
                   <a:schemeClr val="bg1"/>
                 </a:solidFill>
               </a:rPr>
-              <a:t>32. Close</a:t>
+              <a:t>33. Close</a:t>
             </a:r>
           </a:p>
         </p:txBody>
@@ -4075,6 +4076,429 @@
     <p:extLst>
       <p:ext uri="{BB962C8B-B14F-4D97-AF65-F5344CB8AC3E}">
         <p14:creationId xmlns:p14="http://schemas.microsoft.com/office/powerpoint/2010/main" val="2266922860"/>
+      </p:ext>
+    </p:extLst>
+  </p:cSld>
+  <p:clrMapOvr>
+    <a:masterClrMapping/>
+  </p:clrMapOvr>
+</p:sld>
+</file>
+
+<file path=ppt/slides/slide12.xml><?xml version="1.0" encoding="utf-8"?>
+<p:sld xmlns:a="http://schemas.openxmlformats.org/drawingml/2006/main" xmlns:r="http://schemas.openxmlformats.org/officeDocument/2006/relationships" xmlns:p="http://schemas.openxmlformats.org/presentationml/2006/main">
+  <p:cSld>
+    <p:spTree>
+      <p:nvGrpSpPr>
+        <p:cNvPr id="1" name=""/>
+        <p:cNvGrpSpPr/>
+        <p:nvPr/>
+      </p:nvGrpSpPr>
+      <p:grpSpPr>
+        <a:xfrm>
+          <a:off x="0" y="0"/>
+          <a:ext cx="0" cy="0"/>
+          <a:chOff x="0" y="0"/>
+          <a:chExt cx="0" cy="0"/>
+        </a:xfrm>
+      </p:grpSpPr>
+      <p:sp>
+        <p:nvSpPr>
+          <p:cNvPr id="11" name="Speech Bubble: Rectangle 10">
+            <a:extLst>
+              <a:ext uri="{FF2B5EF4-FFF2-40B4-BE49-F238E27FC236}">
+                <a16:creationId xmlns:a16="http://schemas.microsoft.com/office/drawing/2014/main" id="{87ADC702-1609-49EC-8155-C17610A364F1}"/>
+              </a:ext>
+            </a:extLst>
+          </p:cNvPr>
+          <p:cNvSpPr/>
+          <p:nvPr/>
+        </p:nvSpPr>
+        <p:spPr>
+          <a:xfrm>
+            <a:off x="1423055" y="1788199"/>
+            <a:ext cx="8555446" cy="357675"/>
+          </a:xfrm>
+          <a:prstGeom prst="wedgeRectCallout">
+            <a:avLst>
+              <a:gd name="adj1" fmla="val 16489"/>
+              <a:gd name="adj2" fmla="val -92139"/>
+            </a:avLst>
+          </a:prstGeom>
+          <a:solidFill>
+            <a:schemeClr val="tx2"/>
+          </a:solidFill>
+          <a:ln w="28575">
+            <a:solidFill>
+              <a:srgbClr val="FF0000"/>
+            </a:solidFill>
+          </a:ln>
+        </p:spPr>
+        <p:style>
+          <a:lnRef idx="2">
+            <a:schemeClr val="accent1">
+              <a:shade val="50000"/>
+            </a:schemeClr>
+          </a:lnRef>
+          <a:fillRef idx="1">
+            <a:schemeClr val="accent1"/>
+          </a:fillRef>
+          <a:effectRef idx="0">
+            <a:schemeClr val="accent1"/>
+          </a:effectRef>
+          <a:fontRef idx="minor">
+            <a:schemeClr val="lt1"/>
+          </a:fontRef>
+        </p:style>
+        <p:txBody>
+          <a:bodyPr rtlCol="0" anchor="ctr"/>
+          <a:lstStyle/>
+          <a:p>
+            <a:pPr algn="ctr"/>
+            <a:r>
+              <a:rPr lang="en-US" dirty="0">
+                <a:solidFill>
+                  <a:schemeClr val="bg1"/>
+                </a:solidFill>
+              </a:rPr>
+              <a:t>35. Type this comment to mount the EFS as a local directory ~/</a:t>
+            </a:r>
+            <a:r>
+              <a:rPr lang="en-US" dirty="0" err="1">
+                <a:solidFill>
+                  <a:schemeClr val="bg1"/>
+                </a:solidFill>
+              </a:rPr>
+              <a:t>efs</a:t>
+            </a:r>
+            <a:endParaRPr lang="en-US" dirty="0">
+              <a:solidFill>
+                <a:schemeClr val="bg1"/>
+              </a:solidFill>
+            </a:endParaRPr>
+          </a:p>
+        </p:txBody>
+      </p:sp>
+      <p:pic>
+        <p:nvPicPr>
+          <p:cNvPr id="3" name="Picture 2">
+            <a:extLst>
+              <a:ext uri="{FF2B5EF4-FFF2-40B4-BE49-F238E27FC236}">
+                <a16:creationId xmlns:a16="http://schemas.microsoft.com/office/drawing/2014/main" id="{95803C6F-46A0-4162-B721-358C37A61B0D}"/>
+              </a:ext>
+            </a:extLst>
+          </p:cNvPr>
+          <p:cNvPicPr>
+            <a:picLocks noChangeAspect="1"/>
+          </p:cNvPicPr>
+          <p:nvPr/>
+        </p:nvPicPr>
+        <p:blipFill>
+          <a:blip r:embed="rId2"/>
+          <a:stretch>
+            <a:fillRect/>
+          </a:stretch>
+        </p:blipFill>
+        <p:spPr>
+          <a:xfrm>
+            <a:off x="0" y="1426645"/>
+            <a:ext cx="12192000" cy="187177"/>
+          </a:xfrm>
+          <a:prstGeom prst="rect">
+            <a:avLst/>
+          </a:prstGeom>
+        </p:spPr>
+      </p:pic>
+      <p:pic>
+        <p:nvPicPr>
+          <p:cNvPr id="7" name="Picture 6">
+            <a:extLst>
+              <a:ext uri="{FF2B5EF4-FFF2-40B4-BE49-F238E27FC236}">
+                <a16:creationId xmlns:a16="http://schemas.microsoft.com/office/drawing/2014/main" id="{0D0FBD5B-FD79-4969-A267-E3D017660F47}"/>
+              </a:ext>
+            </a:extLst>
+          </p:cNvPr>
+          <p:cNvPicPr>
+            <a:picLocks noChangeAspect="1"/>
+          </p:cNvPicPr>
+          <p:nvPr/>
+        </p:nvPicPr>
+        <p:blipFill>
+          <a:blip r:embed="rId3"/>
+          <a:stretch>
+            <a:fillRect/>
+          </a:stretch>
+        </p:blipFill>
+        <p:spPr>
+          <a:xfrm>
+            <a:off x="0" y="2582201"/>
+            <a:ext cx="10287000" cy="2190750"/>
+          </a:xfrm>
+          <a:prstGeom prst="rect">
+            <a:avLst/>
+          </a:prstGeom>
+        </p:spPr>
+      </p:pic>
+      <p:sp>
+        <p:nvSpPr>
+          <p:cNvPr id="12" name="Speech Bubble: Rectangle 11">
+            <a:extLst>
+              <a:ext uri="{FF2B5EF4-FFF2-40B4-BE49-F238E27FC236}">
+                <a16:creationId xmlns:a16="http://schemas.microsoft.com/office/drawing/2014/main" id="{1C915BFE-DDD6-43B1-9260-054B7B84A963}"/>
+              </a:ext>
+            </a:extLst>
+          </p:cNvPr>
+          <p:cNvSpPr/>
+          <p:nvPr/>
+        </p:nvSpPr>
+        <p:spPr>
+          <a:xfrm>
+            <a:off x="572278" y="4941252"/>
+            <a:ext cx="10143070" cy="357675"/>
+          </a:xfrm>
+          <a:prstGeom prst="wedgeRectCallout">
+            <a:avLst>
+              <a:gd name="adj1" fmla="val 16489"/>
+              <a:gd name="adj2" fmla="val -92139"/>
+            </a:avLst>
+          </a:prstGeom>
+          <a:solidFill>
+            <a:schemeClr val="tx2"/>
+          </a:solidFill>
+          <a:ln w="28575">
+            <a:solidFill>
+              <a:srgbClr val="FF0000"/>
+            </a:solidFill>
+          </a:ln>
+        </p:spPr>
+        <p:style>
+          <a:lnRef idx="2">
+            <a:schemeClr val="accent1">
+              <a:shade val="50000"/>
+            </a:schemeClr>
+          </a:lnRef>
+          <a:fillRef idx="1">
+            <a:schemeClr val="accent1"/>
+          </a:fillRef>
+          <a:effectRef idx="0">
+            <a:schemeClr val="accent1"/>
+          </a:effectRef>
+          <a:fontRef idx="minor">
+            <a:schemeClr val="lt1"/>
+          </a:fontRef>
+        </p:style>
+        <p:txBody>
+          <a:bodyPr rtlCol="0" anchor="ctr"/>
+          <a:lstStyle/>
+          <a:p>
+            <a:pPr algn="ctr"/>
+            <a:r>
+              <a:rPr lang="en-US" dirty="0">
+                <a:solidFill>
+                  <a:schemeClr val="bg1"/>
+                </a:solidFill>
+              </a:rPr>
+              <a:t>36. Execute the command “df –T” to see that the new EFS is mounted as local directory /home/ubuntu/</a:t>
+            </a:r>
+            <a:r>
+              <a:rPr lang="en-US" dirty="0" err="1">
+                <a:solidFill>
+                  <a:schemeClr val="bg1"/>
+                </a:solidFill>
+              </a:rPr>
+              <a:t>efs</a:t>
+            </a:r>
+            <a:endParaRPr lang="en-US" dirty="0">
+              <a:solidFill>
+                <a:schemeClr val="bg1"/>
+              </a:solidFill>
+            </a:endParaRPr>
+          </a:p>
+        </p:txBody>
+      </p:sp>
+      <p:sp>
+        <p:nvSpPr>
+          <p:cNvPr id="13" name="Speech Bubble: Rectangle 12">
+            <a:extLst>
+              <a:ext uri="{FF2B5EF4-FFF2-40B4-BE49-F238E27FC236}">
+                <a16:creationId xmlns:a16="http://schemas.microsoft.com/office/drawing/2014/main" id="{241928DE-037B-4838-A31F-8B1DC665F46F}"/>
+              </a:ext>
+            </a:extLst>
+          </p:cNvPr>
+          <p:cNvSpPr/>
+          <p:nvPr/>
+        </p:nvSpPr>
+        <p:spPr>
+          <a:xfrm>
+            <a:off x="3107184" y="356177"/>
+            <a:ext cx="5442012" cy="357675"/>
+          </a:xfrm>
+          <a:prstGeom prst="wedgeRectCallout">
+            <a:avLst>
+              <a:gd name="adj1" fmla="val -57736"/>
+              <a:gd name="adj2" fmla="val -2785"/>
+            </a:avLst>
+          </a:prstGeom>
+          <a:solidFill>
+            <a:schemeClr val="tx2"/>
+          </a:solidFill>
+          <a:ln w="28575">
+            <a:solidFill>
+              <a:srgbClr val="FF0000"/>
+            </a:solidFill>
+          </a:ln>
+        </p:spPr>
+        <p:style>
+          <a:lnRef idx="2">
+            <a:schemeClr val="accent1">
+              <a:shade val="50000"/>
+            </a:schemeClr>
+          </a:lnRef>
+          <a:fillRef idx="1">
+            <a:schemeClr val="accent1"/>
+          </a:fillRef>
+          <a:effectRef idx="0">
+            <a:schemeClr val="accent1"/>
+          </a:effectRef>
+          <a:fontRef idx="minor">
+            <a:schemeClr val="lt1"/>
+          </a:fontRef>
+        </p:style>
+        <p:txBody>
+          <a:bodyPr rtlCol="0" anchor="ctr"/>
+          <a:lstStyle/>
+          <a:p>
+            <a:pPr algn="ctr"/>
+            <a:r>
+              <a:rPr lang="en-US" dirty="0">
+                <a:solidFill>
+                  <a:schemeClr val="bg1"/>
+                </a:solidFill>
+              </a:rPr>
+              <a:t>34. In the Ubuntu instance, Create a local directory ~/</a:t>
+            </a:r>
+            <a:r>
+              <a:rPr lang="en-US" dirty="0" err="1">
+                <a:solidFill>
+                  <a:schemeClr val="bg1"/>
+                </a:solidFill>
+              </a:rPr>
+              <a:t>efs</a:t>
+            </a:r>
+            <a:endParaRPr lang="en-US" dirty="0">
+              <a:solidFill>
+                <a:schemeClr val="bg1"/>
+              </a:solidFill>
+            </a:endParaRPr>
+          </a:p>
+        </p:txBody>
+      </p:sp>
+      <p:pic>
+        <p:nvPicPr>
+          <p:cNvPr id="15" name="Picture 14">
+            <a:extLst>
+              <a:ext uri="{FF2B5EF4-FFF2-40B4-BE49-F238E27FC236}">
+                <a16:creationId xmlns:a16="http://schemas.microsoft.com/office/drawing/2014/main" id="{9DCB9281-1AB8-434C-B661-53F1CE18A8B1}"/>
+              </a:ext>
+            </a:extLst>
+          </p:cNvPr>
+          <p:cNvPicPr>
+            <a:picLocks noChangeAspect="1"/>
+          </p:cNvPicPr>
+          <p:nvPr/>
+        </p:nvPicPr>
+        <p:blipFill>
+          <a:blip r:embed="rId4"/>
+          <a:stretch>
+            <a:fillRect/>
+          </a:stretch>
+        </p:blipFill>
+        <p:spPr>
+          <a:xfrm>
+            <a:off x="0" y="439765"/>
+            <a:ext cx="2686050" cy="190500"/>
+          </a:xfrm>
+          <a:prstGeom prst="rect">
+            <a:avLst/>
+          </a:prstGeom>
+        </p:spPr>
+      </p:pic>
+      <p:sp>
+        <p:nvSpPr>
+          <p:cNvPr id="16" name="Speech Bubble: Rectangle 15">
+            <a:extLst>
+              <a:ext uri="{FF2B5EF4-FFF2-40B4-BE49-F238E27FC236}">
+                <a16:creationId xmlns:a16="http://schemas.microsoft.com/office/drawing/2014/main" id="{DF96075C-6274-42FE-9D0E-905DDFA84B25}"/>
+              </a:ext>
+            </a:extLst>
+          </p:cNvPr>
+          <p:cNvSpPr/>
+          <p:nvPr/>
+        </p:nvSpPr>
+        <p:spPr>
+          <a:xfrm>
+            <a:off x="572278" y="5741330"/>
+            <a:ext cx="7976918" cy="357675"/>
+          </a:xfrm>
+          <a:prstGeom prst="wedgeRectCallout">
+            <a:avLst>
+              <a:gd name="adj1" fmla="val 16489"/>
+              <a:gd name="adj2" fmla="val -92139"/>
+            </a:avLst>
+          </a:prstGeom>
+          <a:solidFill>
+            <a:schemeClr val="tx2"/>
+          </a:solidFill>
+          <a:ln w="28575">
+            <a:solidFill>
+              <a:srgbClr val="FF0000"/>
+            </a:solidFill>
+          </a:ln>
+        </p:spPr>
+        <p:style>
+          <a:lnRef idx="2">
+            <a:schemeClr val="accent1">
+              <a:shade val="50000"/>
+            </a:schemeClr>
+          </a:lnRef>
+          <a:fillRef idx="1">
+            <a:schemeClr val="accent1"/>
+          </a:fillRef>
+          <a:effectRef idx="0">
+            <a:schemeClr val="accent1"/>
+          </a:effectRef>
+          <a:fontRef idx="minor">
+            <a:schemeClr val="lt1"/>
+          </a:fontRef>
+        </p:style>
+        <p:txBody>
+          <a:bodyPr rtlCol="0" anchor="ctr"/>
+          <a:lstStyle/>
+          <a:p>
+            <a:pPr algn="ctr"/>
+            <a:r>
+              <a:rPr lang="en-US">
+                <a:solidFill>
+                  <a:schemeClr val="bg1"/>
+                </a:solidFill>
+              </a:rPr>
+              <a:t>37. </a:t>
+            </a:r>
+            <a:r>
+              <a:rPr lang="en-US" dirty="0">
+                <a:solidFill>
+                  <a:schemeClr val="bg1"/>
+                </a:solidFill>
+              </a:rPr>
+              <a:t>Repeat the same steps 32..34 in the RHEL and Amazon Linux EC2 instances also.</a:t>
+            </a:r>
+          </a:p>
+        </p:txBody>
+      </p:sp>
+    </p:spTree>
+    <p:extLst>
+      <p:ext uri="{BB962C8B-B14F-4D97-AF65-F5344CB8AC3E}">
+        <p14:creationId xmlns:p14="http://schemas.microsoft.com/office/powerpoint/2010/main" val="1342072758"/>
       </p:ext>
     </p:extLst>
   </p:cSld>
